--- a/Employee_Data_Analysis_2 (1).pptx
+++ b/Employee_Data_Analysis_2 (1).pptx
@@ -4595,7 +4595,15 @@
           <a:p>
             <a:r>
               <a:rPr lang="en-US" sz="2400" dirty="0"/>
-              <a:t>COLLEGE: BAKTHAVATSALAM MEMORIAL COLLEGE FOR WOMEN</a:t>
+              <a:t>COLLEGE</a:t>
+            </a:r>
+            <a:r>
+              <a:rPr lang="en-US" sz="2400"/>
+              <a:t>: BHAKTAVATSALAM </a:t>
+            </a:r>
+            <a:r>
+              <a:rPr lang="en-US" sz="2400" dirty="0"/>
+              <a:t>MEMORIAL COLLEGE FOR WOMEN</a:t>
             </a:r>
           </a:p>
           <a:p>
